--- a/Presentation for Individual.pptx
+++ b/Presentation for Individual.pptx
@@ -109,6 +109,11 @@
       </a:defRPr>
     </a:lvl9pPr>
   </p:defaultTextStyle>
+  <p:extLst>
+    <p:ext uri="{EFAFB233-063F-42B5-8137-9DF3F51BA10A}">
+      <p15:sldGuideLst xmlns:p15="http://schemas.microsoft.com/office/powerpoint/2012/main"/>
+    </p:ext>
+  </p:extLst>
 </p:presentation>
 </file>
 
@@ -6282,21 +6287,13 @@
           <a:p>
             <a:r>
               <a:rPr lang="en-US" dirty="0"/>
-              <a:t>Use real currency whether in the form of crypto, PayPal, or credit cards</a:t>
+              <a:t>Use real currency whether in the form of crypto, PayPal, or credit cards. Need to talk with real online casinos for information about the topic. Possibly even advertising my slot to be hosted on their site.</a:t>
             </a:r>
           </a:p>
           <a:p>
             <a:r>
               <a:rPr lang="en-US" dirty="0"/>
-              <a:t>Integrate a more working account system using </a:t>
-            </a:r>
-            <a:r>
-              <a:rPr lang="en-US"/>
-              <a:t>java code in </a:t>
-            </a:r>
-            <a:r>
-              <a:rPr lang="en-US" dirty="0"/>
-              <a:t>order to save there coins</a:t>
+              <a:t>Integrate a more working account system using java code in order to save their coins. In order to do this, I would have to learn where the coin balance is saved then learn how to connect the accounts and their balance’s</a:t>
             </a:r>
           </a:p>
         </p:txBody>

--- a/Presentation for Individual.pptx
+++ b/Presentation for Individual.pptx
@@ -6196,6 +6196,18 @@
             </a:r>
           </a:p>
           <a:p>
+            <a:r>
+              <a:rPr lang="en-US" dirty="0"/>
+              <a:t>http://</a:t>
+            </a:r>
+            <a:r>
+              <a:rPr lang="en-US" dirty="0" err="1"/>
+              <a:t>www.insaneslotz.com</a:t>
+            </a:r>
+            <a:r>
+              <a:rPr lang="en-US"/>
+              <a:t>/</a:t>
+            </a:r>
             <a:endParaRPr lang="en-US" dirty="0"/>
           </a:p>
         </p:txBody>
